--- a/wps/word/06边框底纹与制表位/06边框底纹与制表位.pptx
+++ b/wps/word/06边框底纹与制表位/06边框底纹与制表位.pptx
@@ -3608,52 +3608,6 @@
           </a:p>
         </p:txBody>
       </p:sp>
-      <p:sp>
-        <p:nvSpPr>
-          <p:cNvPr id="4" name="文本框 3"/>
-          <p:cNvSpPr txBox="1"/>
-          <p:nvPr/>
-        </p:nvSpPr>
-        <p:spPr>
-          <a:xfrm>
-            <a:off x="1285240" y="5080000"/>
-            <a:ext cx="4153535" cy="368300"/>
-          </a:xfrm>
-          <a:prstGeom prst="rect">
-            <a:avLst/>
-          </a:prstGeom>
-          <a:noFill/>
-        </p:spPr>
-        <p:txBody>
-          <a:bodyPr wrap="none" rtlCol="0">
-            <a:spAutoFit/>
-          </a:bodyPr>
-          <a:lstStyle/>
-          <a:p>
-            <a:r>
-              <a:rPr lang="zh-CN" altLang="en-US"/>
-              <a:t>备注：来源阿福课堂二级</a:t>
-            </a:r>
-            <a:r>
-              <a:rPr lang="en-US" altLang="zh-CN"/>
-              <a:t>WPS</a:t>
-            </a:r>
-            <a:r>
-              <a:rPr lang="zh-CN" altLang="en-US"/>
-              <a:t>题库第</a:t>
-            </a:r>
-            <a:r>
-              <a:rPr lang="en-US" altLang="zh-CN"/>
-              <a:t>2</a:t>
-            </a:r>
-            <a:r>
-              <a:rPr lang="zh-CN" altLang="en-US"/>
-              <a:t>套</a:t>
-            </a:r>
-            <a:endParaRPr lang="zh-CN" altLang="en-US"/>
-          </a:p>
-        </p:txBody>
-      </p:sp>
     </p:spTree>
   </p:cSld>
   <p:clrMapOvr>
@@ -3838,63 +3792,6 @@
           </a:prstGeom>
         </p:spPr>
       </p:pic>
-      <p:sp>
-        <p:nvSpPr>
-          <p:cNvPr id="6" name="文本框 5"/>
-          <p:cNvSpPr txBox="1"/>
-          <p:nvPr/>
-        </p:nvSpPr>
-        <p:spPr>
-          <a:xfrm>
-            <a:off x="1275080" y="5542280"/>
-            <a:ext cx="4153535" cy="368300"/>
-          </a:xfrm>
-          <a:prstGeom prst="rect">
-            <a:avLst/>
-          </a:prstGeom>
-          <a:noFill/>
-        </p:spPr>
-        <p:txBody>
-          <a:bodyPr wrap="none" rtlCol="0">
-            <a:spAutoFit/>
-          </a:bodyPr>
-          <a:lstStyle/>
-          <a:p>
-            <a:pPr algn="l"/>
-            <a:r>
-              <a:rPr lang="zh-CN" altLang="en-US"/>
-              <a:t>备注：来源</a:t>
-            </a:r>
-            <a:r>
-              <a:rPr lang="zh-CN" altLang="en-US">
-                <a:sym typeface="+mn-ea"/>
-              </a:rPr>
-              <a:t>阿福课堂二级</a:t>
-            </a:r>
-            <a:r>
-              <a:rPr lang="en-US" altLang="zh-CN">
-                <a:sym typeface="+mn-ea"/>
-              </a:rPr>
-              <a:t>WPS</a:t>
-            </a:r>
-            <a:r>
-              <a:rPr lang="zh-CN" altLang="en-US">
-                <a:sym typeface="+mn-ea"/>
-              </a:rPr>
-              <a:t>题库第</a:t>
-            </a:r>
-            <a:r>
-              <a:rPr lang="en-US" altLang="zh-CN"/>
-              <a:t>6</a:t>
-            </a:r>
-            <a:r>
-              <a:rPr lang="zh-CN" altLang="en-US"/>
-              <a:t>套</a:t>
-            </a:r>
-            <a:endParaRPr lang="zh-CN" altLang="en-US"/>
-          </a:p>
-        </p:txBody>
-      </p:sp>
     </p:spTree>
   </p:cSld>
   <p:clrMapOvr>
